--- a/clean_code.pptx
+++ b/clean_code.pptx
@@ -293,7 +293,7 @@
           <a:p>
             <a:fld id="{B87AE081-19D5-4787-90E3-5F52816591D2}" type="datetimeFigureOut">
               <a:rPr lang="en-US" smtClean="0"/>
-              <a:t>7/10/2020</a:t>
+              <a:t>7/11/2020</a:t>
             </a:fld>
             <a:endParaRPr lang="en-US"/>
           </a:p>
@@ -363,6 +363,9 @@
   <p:clrMapOvr>
     <a:masterClrMapping/>
   </p:clrMapOvr>
+  <p:transition spd="slow">
+    <p:push dir="u"/>
+  </p:transition>
 </p:sldLayout>
 </file>
 
@@ -491,7 +494,7 @@
           <a:p>
             <a:fld id="{B87AE081-19D5-4787-90E3-5F52816591D2}" type="datetimeFigureOut">
               <a:rPr lang="en-US" smtClean="0"/>
-              <a:t>7/10/2020</a:t>
+              <a:t>7/11/2020</a:t>
             </a:fld>
             <a:endParaRPr lang="en-US"/>
           </a:p>
@@ -561,6 +564,9 @@
   <p:clrMapOvr>
     <a:masterClrMapping/>
   </p:clrMapOvr>
+  <p:transition spd="slow">
+    <p:push dir="u"/>
+  </p:transition>
 </p:sldLayout>
 </file>
 
@@ -699,7 +705,7 @@
           <a:p>
             <a:fld id="{B87AE081-19D5-4787-90E3-5F52816591D2}" type="datetimeFigureOut">
               <a:rPr lang="en-US" smtClean="0"/>
-              <a:t>7/10/2020</a:t>
+              <a:t>7/11/2020</a:t>
             </a:fld>
             <a:endParaRPr lang="en-US"/>
           </a:p>
@@ -769,6 +775,9 @@
   <p:clrMapOvr>
     <a:masterClrMapping/>
   </p:clrMapOvr>
+  <p:transition spd="slow">
+    <p:push dir="u"/>
+  </p:transition>
 </p:sldLayout>
 </file>
 
@@ -897,7 +906,7 @@
           <a:p>
             <a:fld id="{B87AE081-19D5-4787-90E3-5F52816591D2}" type="datetimeFigureOut">
               <a:rPr lang="en-US" smtClean="0"/>
-              <a:t>7/10/2020</a:t>
+              <a:t>7/11/2020</a:t>
             </a:fld>
             <a:endParaRPr lang="en-US"/>
           </a:p>
@@ -967,6 +976,9 @@
   <p:clrMapOvr>
     <a:masterClrMapping/>
   </p:clrMapOvr>
+  <p:transition spd="slow">
+    <p:push dir="u"/>
+  </p:transition>
 </p:sldLayout>
 </file>
 
@@ -1172,7 +1184,7 @@
           <a:p>
             <a:fld id="{B87AE081-19D5-4787-90E3-5F52816591D2}" type="datetimeFigureOut">
               <a:rPr lang="en-US" smtClean="0"/>
-              <a:t>7/10/2020</a:t>
+              <a:t>7/11/2020</a:t>
             </a:fld>
             <a:endParaRPr lang="en-US"/>
           </a:p>
@@ -1242,6 +1254,9 @@
   <p:clrMapOvr>
     <a:masterClrMapping/>
   </p:clrMapOvr>
+  <p:transition spd="slow">
+    <p:push dir="u"/>
+  </p:transition>
 </p:sldLayout>
 </file>
 
@@ -1437,7 +1452,7 @@
           <a:p>
             <a:fld id="{B87AE081-19D5-4787-90E3-5F52816591D2}" type="datetimeFigureOut">
               <a:rPr lang="en-US" smtClean="0"/>
-              <a:t>7/10/2020</a:t>
+              <a:t>7/11/2020</a:t>
             </a:fld>
             <a:endParaRPr lang="en-US"/>
           </a:p>
@@ -1507,6 +1522,9 @@
   <p:clrMapOvr>
     <a:masterClrMapping/>
   </p:clrMapOvr>
+  <p:transition spd="slow">
+    <p:push dir="u"/>
+  </p:transition>
 </p:sldLayout>
 </file>
 
@@ -1849,7 +1867,7 @@
           <a:p>
             <a:fld id="{B87AE081-19D5-4787-90E3-5F52816591D2}" type="datetimeFigureOut">
               <a:rPr lang="en-US" smtClean="0"/>
-              <a:t>7/10/2020</a:t>
+              <a:t>7/11/2020</a:t>
             </a:fld>
             <a:endParaRPr lang="en-US"/>
           </a:p>
@@ -1919,6 +1937,9 @@
   <p:clrMapOvr>
     <a:masterClrMapping/>
   </p:clrMapOvr>
+  <p:transition spd="slow">
+    <p:push dir="u"/>
+  </p:transition>
 </p:sldLayout>
 </file>
 
@@ -1990,7 +2011,7 @@
           <a:p>
             <a:fld id="{B87AE081-19D5-4787-90E3-5F52816591D2}" type="datetimeFigureOut">
               <a:rPr lang="en-US" smtClean="0"/>
-              <a:t>7/10/2020</a:t>
+              <a:t>7/11/2020</a:t>
             </a:fld>
             <a:endParaRPr lang="en-US"/>
           </a:p>
@@ -2060,6 +2081,9 @@
   <p:clrMapOvr>
     <a:masterClrMapping/>
   </p:clrMapOvr>
+  <p:transition spd="slow">
+    <p:push dir="u"/>
+  </p:transition>
 </p:sldLayout>
 </file>
 
@@ -2103,7 +2127,7 @@
           <a:p>
             <a:fld id="{B87AE081-19D5-4787-90E3-5F52816591D2}" type="datetimeFigureOut">
               <a:rPr lang="en-US" smtClean="0"/>
-              <a:t>7/10/2020</a:t>
+              <a:t>7/11/2020</a:t>
             </a:fld>
             <a:endParaRPr lang="en-US"/>
           </a:p>
@@ -2173,6 +2197,9 @@
   <p:clrMapOvr>
     <a:masterClrMapping/>
   </p:clrMapOvr>
+  <p:transition spd="slow">
+    <p:push dir="u"/>
+  </p:transition>
 </p:sldLayout>
 </file>
 
@@ -2414,7 +2441,7 @@
           <a:p>
             <a:fld id="{B87AE081-19D5-4787-90E3-5F52816591D2}" type="datetimeFigureOut">
               <a:rPr lang="en-US" smtClean="0"/>
-              <a:t>7/10/2020</a:t>
+              <a:t>7/11/2020</a:t>
             </a:fld>
             <a:endParaRPr lang="en-US"/>
           </a:p>
@@ -2484,6 +2511,9 @@
   <p:clrMapOvr>
     <a:masterClrMapping/>
   </p:clrMapOvr>
+  <p:transition spd="slow">
+    <p:push dir="u"/>
+  </p:transition>
 </p:sldLayout>
 </file>
 
@@ -2702,7 +2732,7 @@
           <a:p>
             <a:fld id="{B87AE081-19D5-4787-90E3-5F52816591D2}" type="datetimeFigureOut">
               <a:rPr lang="en-US" smtClean="0"/>
-              <a:t>7/10/2020</a:t>
+              <a:t>7/11/2020</a:t>
             </a:fld>
             <a:endParaRPr lang="en-US"/>
           </a:p>
@@ -2772,6 +2802,9 @@
   <p:clrMapOvr>
     <a:masterClrMapping/>
   </p:clrMapOvr>
+  <p:transition spd="slow">
+    <p:push dir="u"/>
+  </p:transition>
 </p:sldLayout>
 </file>
 
@@ -2943,7 +2976,7 @@
           <a:p>
             <a:fld id="{B87AE081-19D5-4787-90E3-5F52816591D2}" type="datetimeFigureOut">
               <a:rPr lang="en-US" smtClean="0"/>
-              <a:t>7/10/2020</a:t>
+              <a:t>7/11/2020</a:t>
             </a:fld>
             <a:endParaRPr lang="en-US"/>
           </a:p>
@@ -3060,6 +3093,9 @@
     <p:sldLayoutId id="2147483658" r:id="rId10"/>
     <p:sldLayoutId id="2147483659" r:id="rId11"/>
   </p:sldLayoutIdLst>
+  <p:transition spd="slow">
+    <p:push dir="u"/>
+  </p:transition>
   <p:txStyles>
     <p:titleStyle>
       <a:lvl1pPr algn="l" defTabSz="914400" rtl="0" eaLnBrk="1" latinLnBrk="0" hangingPunct="1">
@@ -3720,6 +3756,9 @@
   <p:clrMapOvr>
     <a:masterClrMapping/>
   </p:clrMapOvr>
+  <p:transition spd="slow">
+    <p:push dir="u"/>
+  </p:transition>
 </p:sld>
 </file>
 
@@ -3963,6 +4002,9 @@
   <p:clrMapOvr>
     <a:masterClrMapping/>
   </p:clrMapOvr>
+  <p:transition spd="slow">
+    <p:push dir="u"/>
+  </p:transition>
 </p:sld>
 </file>
 
@@ -4158,6 +4200,9 @@
   <p:clrMapOvr>
     <a:masterClrMapping/>
   </p:clrMapOvr>
+  <p:transition spd="slow">
+    <p:push dir="u"/>
+  </p:transition>
 </p:sld>
 </file>
 
@@ -4382,6 +4427,9 @@
   <p:clrMapOvr>
     <a:masterClrMapping/>
   </p:clrMapOvr>
+  <p:transition spd="slow">
+    <p:push dir="u"/>
+  </p:transition>
 </p:sld>
 </file>
 
@@ -4746,6 +4794,9 @@
   <p:clrMapOvr>
     <a:masterClrMapping/>
   </p:clrMapOvr>
+  <p:transition spd="slow">
+    <p:push dir="u"/>
+  </p:transition>
 </p:sld>
 </file>
 
@@ -4908,6 +4959,9 @@
   <p:clrMapOvr>
     <a:masterClrMapping/>
   </p:clrMapOvr>
+  <p:transition spd="slow">
+    <p:push dir="u"/>
+  </p:transition>
 </p:sld>
 </file>
 
@@ -5060,6 +5114,9 @@
   <p:clrMapOvr>
     <a:masterClrMapping/>
   </p:clrMapOvr>
+  <p:transition spd="slow">
+    <p:push dir="u"/>
+  </p:transition>
 </p:sld>
 </file>
 
@@ -5333,6 +5390,9 @@
   <p:clrMapOvr>
     <a:masterClrMapping/>
   </p:clrMapOvr>
+  <p:transition spd="slow">
+    <p:push dir="u"/>
+  </p:transition>
 </p:sld>
 </file>
 
@@ -5391,10 +5451,10 @@
       </p:sp>
       <p:pic>
         <p:nvPicPr>
-          <p:cNvPr id="5" name="Picture 4">
-            <a:extLst>
-              <a:ext uri="{FF2B5EF4-FFF2-40B4-BE49-F238E27FC236}">
-                <a16:creationId xmlns:a16="http://schemas.microsoft.com/office/drawing/2014/main" id="{C0CEBAB9-8C04-4129-9814-26C7E5C6A66D}"/>
+          <p:cNvPr id="7" name="Picture 6">
+            <a:extLst>
+              <a:ext uri="{FF2B5EF4-FFF2-40B4-BE49-F238E27FC236}">
+                <a16:creationId xmlns:a16="http://schemas.microsoft.com/office/drawing/2014/main" id="{9835FAB6-B583-40FF-944A-9904B5DE26D5}"/>
               </a:ext>
             </a:extLst>
           </p:cNvPr>
@@ -5405,36 +5465,6 @@
         </p:nvPicPr>
         <p:blipFill>
           <a:blip r:embed="rId2"/>
-          <a:stretch>
-            <a:fillRect/>
-          </a:stretch>
-        </p:blipFill>
-        <p:spPr>
-          <a:xfrm>
-            <a:off x="838200" y="1205262"/>
-            <a:ext cx="4648200" cy="2745567"/>
-          </a:xfrm>
-          <a:prstGeom prst="rect">
-            <a:avLst/>
-          </a:prstGeom>
-        </p:spPr>
-      </p:pic>
-      <p:pic>
-        <p:nvPicPr>
-          <p:cNvPr id="7" name="Picture 6">
-            <a:extLst>
-              <a:ext uri="{FF2B5EF4-FFF2-40B4-BE49-F238E27FC236}">
-                <a16:creationId xmlns:a16="http://schemas.microsoft.com/office/drawing/2014/main" id="{9835FAB6-B583-40FF-944A-9904B5DE26D5}"/>
-              </a:ext>
-            </a:extLst>
-          </p:cNvPr>
-          <p:cNvPicPr>
-            <a:picLocks noChangeAspect="1"/>
-          </p:cNvPicPr>
-          <p:nvPr/>
-        </p:nvPicPr>
-        <p:blipFill>
-          <a:blip r:embed="rId3"/>
           <a:stretch>
             <a:fillRect/>
           </a:stretch>
@@ -5557,6 +5587,36 @@
           </a:p>
         </p:txBody>
       </p:sp>
+      <p:pic>
+        <p:nvPicPr>
+          <p:cNvPr id="4" name="Picture 3">
+            <a:extLst>
+              <a:ext uri="{FF2B5EF4-FFF2-40B4-BE49-F238E27FC236}">
+                <a16:creationId xmlns:a16="http://schemas.microsoft.com/office/drawing/2014/main" id="{021055EE-C9EC-4E49-B648-7A9C3DE3E810}"/>
+              </a:ext>
+            </a:extLst>
+          </p:cNvPr>
+          <p:cNvPicPr>
+            <a:picLocks noChangeAspect="1"/>
+          </p:cNvPicPr>
+          <p:nvPr/>
+        </p:nvPicPr>
+        <p:blipFill>
+          <a:blip r:embed="rId3"/>
+          <a:stretch>
+            <a:fillRect/>
+          </a:stretch>
+        </p:blipFill>
+        <p:spPr>
+          <a:xfrm>
+            <a:off x="838199" y="1273978"/>
+            <a:ext cx="4648199" cy="2608940"/>
+          </a:xfrm>
+          <a:prstGeom prst="rect">
+            <a:avLst/>
+          </a:prstGeom>
+        </p:spPr>
+      </p:pic>
     </p:spTree>
     <p:extLst>
       <p:ext uri="{BB962C8B-B14F-4D97-AF65-F5344CB8AC3E}">
@@ -5567,6 +5627,9 @@
   <p:clrMapOvr>
     <a:masterClrMapping/>
   </p:clrMapOvr>
+  <p:transition spd="slow">
+    <p:push dir="u"/>
+  </p:transition>
 </p:sld>
 </file>
 
@@ -5757,6 +5820,9 @@
   <p:clrMapOvr>
     <a:masterClrMapping/>
   </p:clrMapOvr>
+  <p:transition spd="slow">
+    <p:push dir="u"/>
+  </p:transition>
 </p:sld>
 </file>
 
@@ -6076,6 +6142,9 @@
   <p:clrMapOvr>
     <a:masterClrMapping/>
   </p:clrMapOvr>
+  <p:transition spd="slow">
+    <p:push dir="u"/>
+  </p:transition>
 </p:sld>
 </file>
 
@@ -6351,6 +6420,9 @@
   <p:clrMapOvr>
     <a:masterClrMapping/>
   </p:clrMapOvr>
+  <p:transition spd="slow">
+    <p:push dir="u"/>
+  </p:transition>
   <p:timing>
     <p:tnLst>
       <p:par>
@@ -6772,6 +6844,9 @@
   <p:clrMapOvr>
     <a:masterClrMapping/>
   </p:clrMapOvr>
+  <p:transition spd="slow">
+    <p:push dir="u"/>
+  </p:transition>
 </p:sld>
 </file>
 
@@ -6838,6 +6913,9 @@
   <p:clrMapOvr>
     <a:masterClrMapping/>
   </p:clrMapOvr>
+  <p:transition spd="slow">
+    <p:push dir="u"/>
+  </p:transition>
 </p:sld>
 </file>
 
@@ -7031,6 +7109,9 @@
   <p:clrMapOvr>
     <a:masterClrMapping/>
   </p:clrMapOvr>
+  <p:transition spd="slow">
+    <p:push dir="u"/>
+  </p:transition>
 </p:sld>
 </file>
 
@@ -7273,6 +7354,9 @@
   <p:clrMapOvr>
     <a:masterClrMapping/>
   </p:clrMapOvr>
+  <p:transition spd="slow">
+    <p:push dir="u"/>
+  </p:transition>
 </p:sld>
 </file>
 
@@ -7374,6 +7458,9 @@
   <p:clrMapOvr>
     <a:masterClrMapping/>
   </p:clrMapOvr>
+  <p:transition spd="slow">
+    <p:push dir="u"/>
+  </p:transition>
 </p:sld>
 </file>
 
@@ -7469,9 +7556,9 @@
         <p:grpSpPr>
           <a:xfrm>
             <a:off x="112529" y="910658"/>
-            <a:ext cx="2176613" cy="5788316"/>
+            <a:ext cx="2233171" cy="5788316"/>
             <a:chOff x="80977" y="1000332"/>
-            <a:chExt cx="2208166" cy="5698641"/>
+            <a:chExt cx="2265544" cy="5698641"/>
           </a:xfrm>
         </p:grpSpPr>
         <p:pic>
@@ -7521,7 +7608,7 @@
           <p:spPr>
             <a:xfrm>
               <a:off x="80977" y="3922436"/>
-              <a:ext cx="2208166" cy="2776537"/>
+              <a:ext cx="2265544" cy="2776537"/>
             </a:xfrm>
             <a:prstGeom prst="rect">
               <a:avLst/>
@@ -7830,7 +7917,7 @@
               </a:pPr>
               <a:r>
                 <a:rPr lang="en-US" dirty="0"/>
-                <a:t>Can be read and enhanced by a developer</a:t>
+                <a:t>Can be read and enhanced by a developer other than its original author</a:t>
               </a:r>
               <a:r>
                 <a:rPr lang="en-US" sz="1400" dirty="0"/>
@@ -8138,6 +8225,9 @@
   <p:clrMapOvr>
     <a:masterClrMapping/>
   </p:clrMapOvr>
+  <p:transition spd="slow">
+    <p:push dir="u"/>
+  </p:transition>
   <p:timing>
     <p:tnLst>
       <p:par>
@@ -8150,9 +8240,6 @@
                     <p:cTn id="3" fill="hold">
                       <p:stCondLst>
                         <p:cond delay="indefinite"/>
-                        <p:cond evt="onBegin" delay="0">
-                          <p:tn val="2"/>
-                        </p:cond>
                       </p:stCondLst>
                       <p:childTnLst>
                         <p:par>
@@ -8162,7 +8249,7 @@
                             </p:stCondLst>
                             <p:childTnLst>
                               <p:par>
-                                <p:cTn id="5" presetID="2" presetClass="entr" presetSubtype="8" fill="hold" nodeType="withEffect">
+                                <p:cTn id="5" presetID="2" presetClass="entr" presetSubtype="8" fill="hold" nodeType="clickEffect">
                                   <p:stCondLst>
                                     <p:cond delay="0"/>
                                   </p:stCondLst>
@@ -8703,6 +8790,9 @@
   <p:clrMapOvr>
     <a:masterClrMapping/>
   </p:clrMapOvr>
+  <p:transition spd="slow">
+    <p:push dir="u"/>
+  </p:transition>
 </p:sld>
 </file>
 
@@ -8977,6 +9067,9 @@
   <p:clrMapOvr>
     <a:masterClrMapping/>
   </p:clrMapOvr>
+  <p:transition spd="slow">
+    <p:push dir="u"/>
+  </p:transition>
 </p:sld>
 </file>
 
@@ -9024,7 +9117,7 @@
               <a:rPr lang="en-US" sz="4800" b="0" i="0" u="none" strike="noStrike" baseline="0" dirty="0">
                 <a:latin typeface="+mn-lt"/>
               </a:rPr>
-              <a:t>why clean code is important</a:t>
+              <a:t>Why clean code is important</a:t>
             </a:r>
             <a:endParaRPr lang="en-US" sz="4800" b="1" dirty="0">
               <a:latin typeface="+mn-lt"/>
@@ -9191,6 +9284,454 @@
   <p:clrMapOvr>
     <a:masterClrMapping/>
   </p:clrMapOvr>
+  <p:transition spd="slow">
+    <p:push dir="u"/>
+  </p:transition>
+  <p:timing>
+    <p:tnLst>
+      <p:par>
+        <p:cTn id="1" dur="indefinite" restart="never" nodeType="tmRoot">
+          <p:childTnLst>
+            <p:seq concurrent="1" nextAc="seek">
+              <p:cTn id="2" dur="indefinite" nodeType="mainSeq">
+                <p:childTnLst>
+                  <p:par>
+                    <p:cTn id="3" fill="hold">
+                      <p:stCondLst>
+                        <p:cond delay="indefinite"/>
+                      </p:stCondLst>
+                      <p:childTnLst>
+                        <p:par>
+                          <p:cTn id="4" fill="hold">
+                            <p:stCondLst>
+                              <p:cond delay="0"/>
+                            </p:stCondLst>
+                            <p:childTnLst>
+                              <p:par>
+                                <p:cTn id="5" presetID="2" presetClass="entr" presetSubtype="4" fill="hold" grpId="0" nodeType="clickEffect">
+                                  <p:stCondLst>
+                                    <p:cond delay="0"/>
+                                  </p:stCondLst>
+                                  <p:childTnLst>
+                                    <p:set>
+                                      <p:cBhvr>
+                                        <p:cTn id="6" dur="1" fill="hold">
+                                          <p:stCondLst>
+                                            <p:cond delay="0"/>
+                                          </p:stCondLst>
+                                        </p:cTn>
+                                        <p:tgtEl>
+                                          <p:spTgt spid="5">
+                                            <p:txEl>
+                                              <p:pRg st="0" end="0"/>
+                                            </p:txEl>
+                                          </p:spTgt>
+                                        </p:tgtEl>
+                                        <p:attrNameLst>
+                                          <p:attrName>style.visibility</p:attrName>
+                                        </p:attrNameLst>
+                                      </p:cBhvr>
+                                      <p:to>
+                                        <p:strVal val="visible"/>
+                                      </p:to>
+                                    </p:set>
+                                    <p:anim calcmode="lin" valueType="num">
+                                      <p:cBhvr additive="base">
+                                        <p:cTn id="7" dur="500" fill="hold"/>
+                                        <p:tgtEl>
+                                          <p:spTgt spid="5">
+                                            <p:txEl>
+                                              <p:pRg st="0" end="0"/>
+                                            </p:txEl>
+                                          </p:spTgt>
+                                        </p:tgtEl>
+                                        <p:attrNameLst>
+                                          <p:attrName>ppt_x</p:attrName>
+                                        </p:attrNameLst>
+                                      </p:cBhvr>
+                                      <p:tavLst>
+                                        <p:tav tm="0">
+                                          <p:val>
+                                            <p:strVal val="#ppt_x"/>
+                                          </p:val>
+                                        </p:tav>
+                                        <p:tav tm="100000">
+                                          <p:val>
+                                            <p:strVal val="#ppt_x"/>
+                                          </p:val>
+                                        </p:tav>
+                                      </p:tavLst>
+                                    </p:anim>
+                                    <p:anim calcmode="lin" valueType="num">
+                                      <p:cBhvr additive="base">
+                                        <p:cTn id="8" dur="500" fill="hold"/>
+                                        <p:tgtEl>
+                                          <p:spTgt spid="5">
+                                            <p:txEl>
+                                              <p:pRg st="0" end="0"/>
+                                            </p:txEl>
+                                          </p:spTgt>
+                                        </p:tgtEl>
+                                        <p:attrNameLst>
+                                          <p:attrName>ppt_y</p:attrName>
+                                        </p:attrNameLst>
+                                      </p:cBhvr>
+                                      <p:tavLst>
+                                        <p:tav tm="0">
+                                          <p:val>
+                                            <p:strVal val="1+#ppt_h/2"/>
+                                          </p:val>
+                                        </p:tav>
+                                        <p:tav tm="100000">
+                                          <p:val>
+                                            <p:strVal val="#ppt_y"/>
+                                          </p:val>
+                                        </p:tav>
+                                      </p:tavLst>
+                                    </p:anim>
+                                  </p:childTnLst>
+                                </p:cTn>
+                              </p:par>
+                            </p:childTnLst>
+                          </p:cTn>
+                        </p:par>
+                      </p:childTnLst>
+                    </p:cTn>
+                  </p:par>
+                  <p:par>
+                    <p:cTn id="9" fill="hold">
+                      <p:stCondLst>
+                        <p:cond delay="indefinite"/>
+                      </p:stCondLst>
+                      <p:childTnLst>
+                        <p:par>
+                          <p:cTn id="10" fill="hold">
+                            <p:stCondLst>
+                              <p:cond delay="0"/>
+                            </p:stCondLst>
+                            <p:childTnLst>
+                              <p:par>
+                                <p:cTn id="11" presetID="2" presetClass="entr" presetSubtype="4" fill="hold" grpId="0" nodeType="clickEffect">
+                                  <p:stCondLst>
+                                    <p:cond delay="0"/>
+                                  </p:stCondLst>
+                                  <p:childTnLst>
+                                    <p:set>
+                                      <p:cBhvr>
+                                        <p:cTn id="12" dur="1" fill="hold">
+                                          <p:stCondLst>
+                                            <p:cond delay="0"/>
+                                          </p:stCondLst>
+                                        </p:cTn>
+                                        <p:tgtEl>
+                                          <p:spTgt spid="5">
+                                            <p:txEl>
+                                              <p:pRg st="1" end="1"/>
+                                            </p:txEl>
+                                          </p:spTgt>
+                                        </p:tgtEl>
+                                        <p:attrNameLst>
+                                          <p:attrName>style.visibility</p:attrName>
+                                        </p:attrNameLst>
+                                      </p:cBhvr>
+                                      <p:to>
+                                        <p:strVal val="visible"/>
+                                      </p:to>
+                                    </p:set>
+                                    <p:anim calcmode="lin" valueType="num">
+                                      <p:cBhvr additive="base">
+                                        <p:cTn id="13" dur="500" fill="hold"/>
+                                        <p:tgtEl>
+                                          <p:spTgt spid="5">
+                                            <p:txEl>
+                                              <p:pRg st="1" end="1"/>
+                                            </p:txEl>
+                                          </p:spTgt>
+                                        </p:tgtEl>
+                                        <p:attrNameLst>
+                                          <p:attrName>ppt_x</p:attrName>
+                                        </p:attrNameLst>
+                                      </p:cBhvr>
+                                      <p:tavLst>
+                                        <p:tav tm="0">
+                                          <p:val>
+                                            <p:strVal val="#ppt_x"/>
+                                          </p:val>
+                                        </p:tav>
+                                        <p:tav tm="100000">
+                                          <p:val>
+                                            <p:strVal val="#ppt_x"/>
+                                          </p:val>
+                                        </p:tav>
+                                      </p:tavLst>
+                                    </p:anim>
+                                    <p:anim calcmode="lin" valueType="num">
+                                      <p:cBhvr additive="base">
+                                        <p:cTn id="14" dur="500" fill="hold"/>
+                                        <p:tgtEl>
+                                          <p:spTgt spid="5">
+                                            <p:txEl>
+                                              <p:pRg st="1" end="1"/>
+                                            </p:txEl>
+                                          </p:spTgt>
+                                        </p:tgtEl>
+                                        <p:attrNameLst>
+                                          <p:attrName>ppt_y</p:attrName>
+                                        </p:attrNameLst>
+                                      </p:cBhvr>
+                                      <p:tavLst>
+                                        <p:tav tm="0">
+                                          <p:val>
+                                            <p:strVal val="1+#ppt_h/2"/>
+                                          </p:val>
+                                        </p:tav>
+                                        <p:tav tm="100000">
+                                          <p:val>
+                                            <p:strVal val="#ppt_y"/>
+                                          </p:val>
+                                        </p:tav>
+                                      </p:tavLst>
+                                    </p:anim>
+                                  </p:childTnLst>
+                                </p:cTn>
+                              </p:par>
+                            </p:childTnLst>
+                          </p:cTn>
+                        </p:par>
+                      </p:childTnLst>
+                    </p:cTn>
+                  </p:par>
+                  <p:par>
+                    <p:cTn id="15" fill="hold">
+                      <p:stCondLst>
+                        <p:cond delay="indefinite"/>
+                      </p:stCondLst>
+                      <p:childTnLst>
+                        <p:par>
+                          <p:cTn id="16" fill="hold">
+                            <p:stCondLst>
+                              <p:cond delay="0"/>
+                            </p:stCondLst>
+                            <p:childTnLst>
+                              <p:par>
+                                <p:cTn id="17" presetID="2" presetClass="entr" presetSubtype="4" fill="hold" grpId="0" nodeType="clickEffect">
+                                  <p:stCondLst>
+                                    <p:cond delay="0"/>
+                                  </p:stCondLst>
+                                  <p:childTnLst>
+                                    <p:set>
+                                      <p:cBhvr>
+                                        <p:cTn id="18" dur="1" fill="hold">
+                                          <p:stCondLst>
+                                            <p:cond delay="0"/>
+                                          </p:stCondLst>
+                                        </p:cTn>
+                                        <p:tgtEl>
+                                          <p:spTgt spid="5">
+                                            <p:txEl>
+                                              <p:pRg st="2" end="2"/>
+                                            </p:txEl>
+                                          </p:spTgt>
+                                        </p:tgtEl>
+                                        <p:attrNameLst>
+                                          <p:attrName>style.visibility</p:attrName>
+                                        </p:attrNameLst>
+                                      </p:cBhvr>
+                                      <p:to>
+                                        <p:strVal val="visible"/>
+                                      </p:to>
+                                    </p:set>
+                                    <p:anim calcmode="lin" valueType="num">
+                                      <p:cBhvr additive="base">
+                                        <p:cTn id="19" dur="500" fill="hold"/>
+                                        <p:tgtEl>
+                                          <p:spTgt spid="5">
+                                            <p:txEl>
+                                              <p:pRg st="2" end="2"/>
+                                            </p:txEl>
+                                          </p:spTgt>
+                                        </p:tgtEl>
+                                        <p:attrNameLst>
+                                          <p:attrName>ppt_x</p:attrName>
+                                        </p:attrNameLst>
+                                      </p:cBhvr>
+                                      <p:tavLst>
+                                        <p:tav tm="0">
+                                          <p:val>
+                                            <p:strVal val="#ppt_x"/>
+                                          </p:val>
+                                        </p:tav>
+                                        <p:tav tm="100000">
+                                          <p:val>
+                                            <p:strVal val="#ppt_x"/>
+                                          </p:val>
+                                        </p:tav>
+                                      </p:tavLst>
+                                    </p:anim>
+                                    <p:anim calcmode="lin" valueType="num">
+                                      <p:cBhvr additive="base">
+                                        <p:cTn id="20" dur="500" fill="hold"/>
+                                        <p:tgtEl>
+                                          <p:spTgt spid="5">
+                                            <p:txEl>
+                                              <p:pRg st="2" end="2"/>
+                                            </p:txEl>
+                                          </p:spTgt>
+                                        </p:tgtEl>
+                                        <p:attrNameLst>
+                                          <p:attrName>ppt_y</p:attrName>
+                                        </p:attrNameLst>
+                                      </p:cBhvr>
+                                      <p:tavLst>
+                                        <p:tav tm="0">
+                                          <p:val>
+                                            <p:strVal val="1+#ppt_h/2"/>
+                                          </p:val>
+                                        </p:tav>
+                                        <p:tav tm="100000">
+                                          <p:val>
+                                            <p:strVal val="#ppt_y"/>
+                                          </p:val>
+                                        </p:tav>
+                                      </p:tavLst>
+                                    </p:anim>
+                                  </p:childTnLst>
+                                </p:cTn>
+                              </p:par>
+                            </p:childTnLst>
+                          </p:cTn>
+                        </p:par>
+                      </p:childTnLst>
+                    </p:cTn>
+                  </p:par>
+                  <p:par>
+                    <p:cTn id="21" fill="hold">
+                      <p:stCondLst>
+                        <p:cond delay="indefinite"/>
+                      </p:stCondLst>
+                      <p:childTnLst>
+                        <p:par>
+                          <p:cTn id="22" fill="hold">
+                            <p:stCondLst>
+                              <p:cond delay="0"/>
+                            </p:stCondLst>
+                            <p:childTnLst>
+                              <p:par>
+                                <p:cTn id="23" presetID="2" presetClass="entr" presetSubtype="4" fill="hold" grpId="0" nodeType="clickEffect">
+                                  <p:stCondLst>
+                                    <p:cond delay="0"/>
+                                  </p:stCondLst>
+                                  <p:childTnLst>
+                                    <p:set>
+                                      <p:cBhvr>
+                                        <p:cTn id="24" dur="1" fill="hold">
+                                          <p:stCondLst>
+                                            <p:cond delay="0"/>
+                                          </p:stCondLst>
+                                        </p:cTn>
+                                        <p:tgtEl>
+                                          <p:spTgt spid="5">
+                                            <p:txEl>
+                                              <p:pRg st="3" end="3"/>
+                                            </p:txEl>
+                                          </p:spTgt>
+                                        </p:tgtEl>
+                                        <p:attrNameLst>
+                                          <p:attrName>style.visibility</p:attrName>
+                                        </p:attrNameLst>
+                                      </p:cBhvr>
+                                      <p:to>
+                                        <p:strVal val="visible"/>
+                                      </p:to>
+                                    </p:set>
+                                    <p:anim calcmode="lin" valueType="num">
+                                      <p:cBhvr additive="base">
+                                        <p:cTn id="25" dur="500" fill="hold"/>
+                                        <p:tgtEl>
+                                          <p:spTgt spid="5">
+                                            <p:txEl>
+                                              <p:pRg st="3" end="3"/>
+                                            </p:txEl>
+                                          </p:spTgt>
+                                        </p:tgtEl>
+                                        <p:attrNameLst>
+                                          <p:attrName>ppt_x</p:attrName>
+                                        </p:attrNameLst>
+                                      </p:cBhvr>
+                                      <p:tavLst>
+                                        <p:tav tm="0">
+                                          <p:val>
+                                            <p:strVal val="#ppt_x"/>
+                                          </p:val>
+                                        </p:tav>
+                                        <p:tav tm="100000">
+                                          <p:val>
+                                            <p:strVal val="#ppt_x"/>
+                                          </p:val>
+                                        </p:tav>
+                                      </p:tavLst>
+                                    </p:anim>
+                                    <p:anim calcmode="lin" valueType="num">
+                                      <p:cBhvr additive="base">
+                                        <p:cTn id="26" dur="500" fill="hold"/>
+                                        <p:tgtEl>
+                                          <p:spTgt spid="5">
+                                            <p:txEl>
+                                              <p:pRg st="3" end="3"/>
+                                            </p:txEl>
+                                          </p:spTgt>
+                                        </p:tgtEl>
+                                        <p:attrNameLst>
+                                          <p:attrName>ppt_y</p:attrName>
+                                        </p:attrNameLst>
+                                      </p:cBhvr>
+                                      <p:tavLst>
+                                        <p:tav tm="0">
+                                          <p:val>
+                                            <p:strVal val="1+#ppt_h/2"/>
+                                          </p:val>
+                                        </p:tav>
+                                        <p:tav tm="100000">
+                                          <p:val>
+                                            <p:strVal val="#ppt_y"/>
+                                          </p:val>
+                                        </p:tav>
+                                      </p:tavLst>
+                                    </p:anim>
+                                  </p:childTnLst>
+                                </p:cTn>
+                              </p:par>
+                            </p:childTnLst>
+                          </p:cTn>
+                        </p:par>
+                      </p:childTnLst>
+                    </p:cTn>
+                  </p:par>
+                </p:childTnLst>
+              </p:cTn>
+              <p:prevCondLst>
+                <p:cond evt="onPrev" delay="0">
+                  <p:tgtEl>
+                    <p:sldTgt/>
+                  </p:tgtEl>
+                </p:cond>
+              </p:prevCondLst>
+              <p:nextCondLst>
+                <p:cond evt="onNext" delay="0">
+                  <p:tgtEl>
+                    <p:sldTgt/>
+                  </p:tgtEl>
+                </p:cond>
+              </p:nextCondLst>
+            </p:seq>
+          </p:childTnLst>
+        </p:cTn>
+      </p:par>
+    </p:tnLst>
+    <p:bldLst>
+      <p:bldP spid="5" grpId="0" uiExpand="1" build="p"/>
+    </p:bldLst>
+  </p:timing>
 </p:sld>
 </file>
 
@@ -9356,6 +9897,9 @@
   <p:clrMapOvr>
     <a:masterClrMapping/>
   </p:clrMapOvr>
+  <p:transition spd="slow">
+    <p:push dir="u"/>
+  </p:transition>
 </p:sld>
 </file>
 
@@ -9646,6 +10190,9 @@
   <p:clrMapOvr>
     <a:masterClrMapping/>
   </p:clrMapOvr>
+  <p:transition spd="slow">
+    <p:push dir="u"/>
+  </p:transition>
 </p:sld>
 </file>
 
